--- a/TedTalk_EDA.pptx
+++ b/TedTalk_EDA.pptx
@@ -4,11 +4,15 @@
   <p:sldMasterIdLst>
     <p:sldMasterId id="2147483648" r:id="rId1"/>
   </p:sldMasterIdLst>
+  <p:notesMasterIdLst>
+    <p:notesMasterId r:id="rId7"/>
+  </p:notesMasterIdLst>
   <p:sldIdLst>
-    <p:sldId id="256" r:id="rId2"/>
-    <p:sldId id="257" r:id="rId3"/>
-    <p:sldId id="258" r:id="rId4"/>
-    <p:sldId id="259" r:id="rId5"/>
+    <p:sldId id="261" r:id="rId2"/>
+    <p:sldId id="256" r:id="rId3"/>
+    <p:sldId id="257" r:id="rId4"/>
+    <p:sldId id="258" r:id="rId5"/>
+    <p:sldId id="259" r:id="rId6"/>
   </p:sldIdLst>
   <p:sldSz cx="12192000" cy="6858000"/>
   <p:notesSz cx="6858000" cy="9144000"/>
@@ -107,7 +111,465 @@
       </a:defRPr>
     </a:lvl9pPr>
   </p:defaultTextStyle>
+  <p:extLst>
+    <p:ext uri="{EFAFB233-063F-42B5-8137-9DF3F51BA10A}">
+      <p15:sldGuideLst xmlns:p15="http://schemas.microsoft.com/office/powerpoint/2012/main"/>
+    </p:ext>
+  </p:extLst>
 </p:presentation>
+</file>
+
+<file path=ppt/notesMasters/notesMaster1.xml><?xml version="1.0" encoding="utf-8"?>
+<p:notesMaster xmlns:a="http://schemas.openxmlformats.org/drawingml/2006/main" xmlns:r="http://schemas.openxmlformats.org/officeDocument/2006/relationships" xmlns:p="http://schemas.openxmlformats.org/presentationml/2006/main">
+  <p:cSld>
+    <p:bg>
+      <p:bgRef idx="1001">
+        <a:schemeClr val="bg1"/>
+      </p:bgRef>
+    </p:bg>
+    <p:spTree>
+      <p:nvGrpSpPr>
+        <p:cNvPr id="1" name=""/>
+        <p:cNvGrpSpPr/>
+        <p:nvPr/>
+      </p:nvGrpSpPr>
+      <p:grpSpPr>
+        <a:xfrm>
+          <a:off x="0" y="0"/>
+          <a:ext cx="0" cy="0"/>
+          <a:chOff x="0" y="0"/>
+          <a:chExt cx="0" cy="0"/>
+        </a:xfrm>
+      </p:grpSpPr>
+      <p:sp>
+        <p:nvSpPr>
+          <p:cNvPr id="2" name="Header Placeholder 1"/>
+          <p:cNvSpPr>
+            <a:spLocks noGrp="1"/>
+          </p:cNvSpPr>
+          <p:nvPr>
+            <p:ph type="hdr" sz="quarter"/>
+          </p:nvPr>
+        </p:nvSpPr>
+        <p:spPr>
+          <a:xfrm>
+            <a:off x="0" y="0"/>
+            <a:ext cx="2971800" cy="458788"/>
+          </a:xfrm>
+          <a:prstGeom prst="rect">
+            <a:avLst/>
+          </a:prstGeom>
+        </p:spPr>
+        <p:txBody>
+          <a:bodyPr vert="horz" lIns="91440" tIns="45720" rIns="91440" bIns="45720" rtlCol="0"/>
+          <a:lstStyle>
+            <a:lvl1pPr algn="l">
+              <a:defRPr sz="1200"/>
+            </a:lvl1pPr>
+          </a:lstStyle>
+          <a:p>
+            <a:endParaRPr lang="en-US"/>
+          </a:p>
+        </p:txBody>
+      </p:sp>
+      <p:sp>
+        <p:nvSpPr>
+          <p:cNvPr id="3" name="Date Placeholder 2"/>
+          <p:cNvSpPr>
+            <a:spLocks noGrp="1"/>
+          </p:cNvSpPr>
+          <p:nvPr>
+            <p:ph type="dt" idx="1"/>
+          </p:nvPr>
+        </p:nvSpPr>
+        <p:spPr>
+          <a:xfrm>
+            <a:off x="3884613" y="0"/>
+            <a:ext cx="2971800" cy="458788"/>
+          </a:xfrm>
+          <a:prstGeom prst="rect">
+            <a:avLst/>
+          </a:prstGeom>
+        </p:spPr>
+        <p:txBody>
+          <a:bodyPr vert="horz" lIns="91440" tIns="45720" rIns="91440" bIns="45720" rtlCol="0"/>
+          <a:lstStyle>
+            <a:lvl1pPr algn="r">
+              <a:defRPr sz="1200"/>
+            </a:lvl1pPr>
+          </a:lstStyle>
+          <a:p>
+            <a:fld id="{AAA51686-A1B3-409D-8607-0BC6FD94D01C}" type="datetimeFigureOut">
+              <a:rPr lang="en-US" smtClean="0"/>
+              <a:t>10/17/2022</a:t>
+            </a:fld>
+            <a:endParaRPr lang="en-US"/>
+          </a:p>
+        </p:txBody>
+      </p:sp>
+      <p:sp>
+        <p:nvSpPr>
+          <p:cNvPr id="4" name="Slide Image Placeholder 3"/>
+          <p:cNvSpPr>
+            <a:spLocks noGrp="1" noRot="1" noChangeAspect="1"/>
+          </p:cNvSpPr>
+          <p:nvPr>
+            <p:ph type="sldImg" idx="2"/>
+          </p:nvPr>
+        </p:nvSpPr>
+        <p:spPr>
+          <a:xfrm>
+            <a:off x="685800" y="1143000"/>
+            <a:ext cx="5486400" cy="3086100"/>
+          </a:xfrm>
+          <a:prstGeom prst="rect">
+            <a:avLst/>
+          </a:prstGeom>
+          <a:noFill/>
+          <a:ln w="12700">
+            <a:solidFill>
+              <a:prstClr val="black"/>
+            </a:solidFill>
+          </a:ln>
+        </p:spPr>
+        <p:txBody>
+          <a:bodyPr vert="horz" lIns="91440" tIns="45720" rIns="91440" bIns="45720" rtlCol="0" anchor="ctr"/>
+          <a:lstStyle/>
+          <a:p>
+            <a:endParaRPr lang="en-US"/>
+          </a:p>
+        </p:txBody>
+      </p:sp>
+      <p:sp>
+        <p:nvSpPr>
+          <p:cNvPr id="5" name="Notes Placeholder 4"/>
+          <p:cNvSpPr>
+            <a:spLocks noGrp="1"/>
+          </p:cNvSpPr>
+          <p:nvPr>
+            <p:ph type="body" sz="quarter" idx="3"/>
+          </p:nvPr>
+        </p:nvSpPr>
+        <p:spPr>
+          <a:xfrm>
+            <a:off x="685800" y="4400550"/>
+            <a:ext cx="5486400" cy="3600450"/>
+          </a:xfrm>
+          <a:prstGeom prst="rect">
+            <a:avLst/>
+          </a:prstGeom>
+        </p:spPr>
+        <p:txBody>
+          <a:bodyPr vert="horz" lIns="91440" tIns="45720" rIns="91440" bIns="45720" rtlCol="0"/>
+          <a:lstStyle/>
+          <a:p>
+            <a:pPr lvl="0"/>
+            <a:r>
+              <a:rPr lang="en-US"/>
+              <a:t>Click to edit Master text styles</a:t>
+            </a:r>
+          </a:p>
+          <a:p>
+            <a:pPr lvl="1"/>
+            <a:r>
+              <a:rPr lang="en-US"/>
+              <a:t>Second level</a:t>
+            </a:r>
+          </a:p>
+          <a:p>
+            <a:pPr lvl="2"/>
+            <a:r>
+              <a:rPr lang="en-US"/>
+              <a:t>Third level</a:t>
+            </a:r>
+          </a:p>
+          <a:p>
+            <a:pPr lvl="3"/>
+            <a:r>
+              <a:rPr lang="en-US"/>
+              <a:t>Fourth level</a:t>
+            </a:r>
+          </a:p>
+          <a:p>
+            <a:pPr lvl="4"/>
+            <a:r>
+              <a:rPr lang="en-US"/>
+              <a:t>Fifth level</a:t>
+            </a:r>
+          </a:p>
+        </p:txBody>
+      </p:sp>
+      <p:sp>
+        <p:nvSpPr>
+          <p:cNvPr id="6" name="Footer Placeholder 5"/>
+          <p:cNvSpPr>
+            <a:spLocks noGrp="1"/>
+          </p:cNvSpPr>
+          <p:nvPr>
+            <p:ph type="ftr" sz="quarter" idx="4"/>
+          </p:nvPr>
+        </p:nvSpPr>
+        <p:spPr>
+          <a:xfrm>
+            <a:off x="0" y="8685213"/>
+            <a:ext cx="2971800" cy="458787"/>
+          </a:xfrm>
+          <a:prstGeom prst="rect">
+            <a:avLst/>
+          </a:prstGeom>
+        </p:spPr>
+        <p:txBody>
+          <a:bodyPr vert="horz" lIns="91440" tIns="45720" rIns="91440" bIns="45720" rtlCol="0" anchor="b"/>
+          <a:lstStyle>
+            <a:lvl1pPr algn="l">
+              <a:defRPr sz="1200"/>
+            </a:lvl1pPr>
+          </a:lstStyle>
+          <a:p>
+            <a:endParaRPr lang="en-US"/>
+          </a:p>
+        </p:txBody>
+      </p:sp>
+      <p:sp>
+        <p:nvSpPr>
+          <p:cNvPr id="7" name="Slide Number Placeholder 6"/>
+          <p:cNvSpPr>
+            <a:spLocks noGrp="1"/>
+          </p:cNvSpPr>
+          <p:nvPr>
+            <p:ph type="sldNum" sz="quarter" idx="5"/>
+          </p:nvPr>
+        </p:nvSpPr>
+        <p:spPr>
+          <a:xfrm>
+            <a:off x="3884613" y="8685213"/>
+            <a:ext cx="2971800" cy="458787"/>
+          </a:xfrm>
+          <a:prstGeom prst="rect">
+            <a:avLst/>
+          </a:prstGeom>
+        </p:spPr>
+        <p:txBody>
+          <a:bodyPr vert="horz" lIns="91440" tIns="45720" rIns="91440" bIns="45720" rtlCol="0" anchor="b"/>
+          <a:lstStyle>
+            <a:lvl1pPr algn="r">
+              <a:defRPr sz="1200"/>
+            </a:lvl1pPr>
+          </a:lstStyle>
+          <a:p>
+            <a:fld id="{DADAAB2F-812C-4A83-B4DC-54A70A9F5806}" type="slidenum">
+              <a:rPr lang="en-US" smtClean="0"/>
+              <a:t>‹#›</a:t>
+            </a:fld>
+            <a:endParaRPr lang="en-US"/>
+          </a:p>
+        </p:txBody>
+      </p:sp>
+    </p:spTree>
+    <p:extLst>
+      <p:ext uri="{BB962C8B-B14F-4D97-AF65-F5344CB8AC3E}">
+        <p14:creationId xmlns:p14="http://schemas.microsoft.com/office/powerpoint/2010/main" val="2488507197"/>
+      </p:ext>
+    </p:extLst>
+  </p:cSld>
+  <p:clrMap bg1="lt1" tx1="dk1" bg2="lt2" tx2="dk2" accent1="accent1" accent2="accent2" accent3="accent3" accent4="accent4" accent5="accent5" accent6="accent6" hlink="hlink" folHlink="folHlink"/>
+  <p:notesStyle>
+    <a:lvl1pPr marL="0" algn="l" defTabSz="914400" rtl="0" eaLnBrk="1" latinLnBrk="0" hangingPunct="1">
+      <a:defRPr sz="1200" kern="1200">
+        <a:solidFill>
+          <a:schemeClr val="tx1"/>
+        </a:solidFill>
+        <a:latin typeface="+mn-lt"/>
+        <a:ea typeface="+mn-ea"/>
+        <a:cs typeface="+mn-cs"/>
+      </a:defRPr>
+    </a:lvl1pPr>
+    <a:lvl2pPr marL="457200" algn="l" defTabSz="914400" rtl="0" eaLnBrk="1" latinLnBrk="0" hangingPunct="1">
+      <a:defRPr sz="1200" kern="1200">
+        <a:solidFill>
+          <a:schemeClr val="tx1"/>
+        </a:solidFill>
+        <a:latin typeface="+mn-lt"/>
+        <a:ea typeface="+mn-ea"/>
+        <a:cs typeface="+mn-cs"/>
+      </a:defRPr>
+    </a:lvl2pPr>
+    <a:lvl3pPr marL="914400" algn="l" defTabSz="914400" rtl="0" eaLnBrk="1" latinLnBrk="0" hangingPunct="1">
+      <a:defRPr sz="1200" kern="1200">
+        <a:solidFill>
+          <a:schemeClr val="tx1"/>
+        </a:solidFill>
+        <a:latin typeface="+mn-lt"/>
+        <a:ea typeface="+mn-ea"/>
+        <a:cs typeface="+mn-cs"/>
+      </a:defRPr>
+    </a:lvl3pPr>
+    <a:lvl4pPr marL="1371600" algn="l" defTabSz="914400" rtl="0" eaLnBrk="1" latinLnBrk="0" hangingPunct="1">
+      <a:defRPr sz="1200" kern="1200">
+        <a:solidFill>
+          <a:schemeClr val="tx1"/>
+        </a:solidFill>
+        <a:latin typeface="+mn-lt"/>
+        <a:ea typeface="+mn-ea"/>
+        <a:cs typeface="+mn-cs"/>
+      </a:defRPr>
+    </a:lvl4pPr>
+    <a:lvl5pPr marL="1828800" algn="l" defTabSz="914400" rtl="0" eaLnBrk="1" latinLnBrk="0" hangingPunct="1">
+      <a:defRPr sz="1200" kern="1200">
+        <a:solidFill>
+          <a:schemeClr val="tx1"/>
+        </a:solidFill>
+        <a:latin typeface="+mn-lt"/>
+        <a:ea typeface="+mn-ea"/>
+        <a:cs typeface="+mn-cs"/>
+      </a:defRPr>
+    </a:lvl5pPr>
+    <a:lvl6pPr marL="2286000" algn="l" defTabSz="914400" rtl="0" eaLnBrk="1" latinLnBrk="0" hangingPunct="1">
+      <a:defRPr sz="1200" kern="1200">
+        <a:solidFill>
+          <a:schemeClr val="tx1"/>
+        </a:solidFill>
+        <a:latin typeface="+mn-lt"/>
+        <a:ea typeface="+mn-ea"/>
+        <a:cs typeface="+mn-cs"/>
+      </a:defRPr>
+    </a:lvl6pPr>
+    <a:lvl7pPr marL="2743200" algn="l" defTabSz="914400" rtl="0" eaLnBrk="1" latinLnBrk="0" hangingPunct="1">
+      <a:defRPr sz="1200" kern="1200">
+        <a:solidFill>
+          <a:schemeClr val="tx1"/>
+        </a:solidFill>
+        <a:latin typeface="+mn-lt"/>
+        <a:ea typeface="+mn-ea"/>
+        <a:cs typeface="+mn-cs"/>
+      </a:defRPr>
+    </a:lvl7pPr>
+    <a:lvl8pPr marL="3200400" algn="l" defTabSz="914400" rtl="0" eaLnBrk="1" latinLnBrk="0" hangingPunct="1">
+      <a:defRPr sz="1200" kern="1200">
+        <a:solidFill>
+          <a:schemeClr val="tx1"/>
+        </a:solidFill>
+        <a:latin typeface="+mn-lt"/>
+        <a:ea typeface="+mn-ea"/>
+        <a:cs typeface="+mn-cs"/>
+      </a:defRPr>
+    </a:lvl8pPr>
+    <a:lvl9pPr marL="3657600" algn="l" defTabSz="914400" rtl="0" eaLnBrk="1" latinLnBrk="0" hangingPunct="1">
+      <a:defRPr sz="1200" kern="1200">
+        <a:solidFill>
+          <a:schemeClr val="tx1"/>
+        </a:solidFill>
+        <a:latin typeface="+mn-lt"/>
+        <a:ea typeface="+mn-ea"/>
+        <a:cs typeface="+mn-cs"/>
+      </a:defRPr>
+    </a:lvl9pPr>
+  </p:notesStyle>
+</p:notesMaster>
+</file>
+
+<file path=ppt/notesSlides/notesSlide1.xml><?xml version="1.0" encoding="utf-8"?>
+<p:notes xmlns:a="http://schemas.openxmlformats.org/drawingml/2006/main" xmlns:r="http://schemas.openxmlformats.org/officeDocument/2006/relationships" xmlns:p="http://schemas.openxmlformats.org/presentationml/2006/main" showMasterSp="0" showMasterPhAnim="0">
+  <p:cSld>
+    <p:spTree>
+      <p:nvGrpSpPr>
+        <p:cNvPr id="1" name="Shape 106"/>
+        <p:cNvGrpSpPr/>
+        <p:nvPr/>
+      </p:nvGrpSpPr>
+      <p:grpSpPr>
+        <a:xfrm>
+          <a:off x="0" y="0"/>
+          <a:ext cx="0" cy="0"/>
+          <a:chOff x="0" y="0"/>
+          <a:chExt cx="0" cy="0"/>
+        </a:xfrm>
+      </p:grpSpPr>
+      <p:sp>
+        <p:nvSpPr>
+          <p:cNvPr id="107" name="Google Shape;107;p1:notes"/>
+          <p:cNvSpPr txBox="1">
+            <a:spLocks noGrp="1"/>
+          </p:cNvSpPr>
+          <p:nvPr>
+            <p:ph type="body" idx="1"/>
+          </p:nvPr>
+        </p:nvSpPr>
+        <p:spPr>
+          <a:xfrm>
+            <a:off x="914400" y="4343400"/>
+            <a:ext cx="5029200" cy="4114800"/>
+          </a:xfrm>
+          <a:prstGeom prst="rect">
+            <a:avLst/>
+          </a:prstGeom>
+        </p:spPr>
+        <p:txBody>
+          <a:bodyPr spcFirstLastPara="1" wrap="square" lIns="91425" tIns="45700" rIns="91425" bIns="45700" anchor="t" anchorCtr="0">
+            <a:noAutofit/>
+          </a:bodyPr>
+          <a:lstStyle/>
+          <a:p>
+            <a:pPr marL="0" lvl="0" indent="0" algn="l" rtl="0">
+              <a:spcBef>
+                <a:spcPts val="0"/>
+              </a:spcBef>
+              <a:spcAft>
+                <a:spcPts val="0"/>
+              </a:spcAft>
+              <a:buNone/>
+            </a:pPr>
+            <a:endParaRPr/>
+          </a:p>
+        </p:txBody>
+      </p:sp>
+      <p:sp>
+        <p:nvSpPr>
+          <p:cNvPr id="108" name="Google Shape;108;p1:notes"/>
+          <p:cNvSpPr>
+            <a:spLocks noGrp="1" noRot="1" noChangeAspect="1"/>
+          </p:cNvSpPr>
+          <p:nvPr>
+            <p:ph type="sldImg" idx="2"/>
+          </p:nvPr>
+        </p:nvSpPr>
+        <p:spPr>
+          <a:xfrm>
+            <a:off x="381000" y="685800"/>
+            <a:ext cx="6096000" cy="3429000"/>
+          </a:xfrm>
+          <a:custGeom>
+            <a:avLst/>
+            <a:gdLst/>
+            <a:ahLst/>
+            <a:cxnLst/>
+            <a:rect l="l" t="t" r="r" b="b"/>
+            <a:pathLst>
+              <a:path w="120000" h="120000" extrusionOk="0">
+                <a:moveTo>
+                  <a:pt x="0" y="0"/>
+                </a:moveTo>
+                <a:lnTo>
+                  <a:pt x="120000" y="0"/>
+                </a:lnTo>
+                <a:lnTo>
+                  <a:pt x="120000" y="120000"/>
+                </a:lnTo>
+                <a:lnTo>
+                  <a:pt x="0" y="120000"/>
+                </a:lnTo>
+                <a:close/>
+              </a:path>
+            </a:pathLst>
+          </a:custGeom>
+        </p:spPr>
+      </p:sp>
+    </p:spTree>
+  </p:cSld>
+  <p:clrMapOvr>
+    <a:masterClrMapping/>
+  </p:clrMapOvr>
+</p:notes>
 </file>
 
 <file path=ppt/slideLayouts/slideLayout1.xml><?xml version="1.0" encoding="utf-8"?>
@@ -727,6 +1189,847 @@
     <p:extLst>
       <p:ext uri="{BB962C8B-B14F-4D97-AF65-F5344CB8AC3E}">
         <p14:creationId xmlns:p14="http://schemas.microsoft.com/office/powerpoint/2010/main" val="3326571348"/>
+      </p:ext>
+    </p:extLst>
+  </p:cSld>
+  <p:clrMapOvr>
+    <a:masterClrMapping/>
+  </p:clrMapOvr>
+</p:sldLayout>
+</file>
+
+<file path=ppt/slideLayouts/slideLayout12.xml><?xml version="1.0" encoding="utf-8"?>
+<p:sldLayout xmlns:a="http://schemas.openxmlformats.org/drawingml/2006/main" xmlns:r="http://schemas.openxmlformats.org/officeDocument/2006/relationships" xmlns:p="http://schemas.openxmlformats.org/presentationml/2006/main" matchingName="6_Title Slide" type="tx">
+  <p:cSld name="6_Title Slide">
+    <p:spTree>
+      <p:nvGrpSpPr>
+        <p:cNvPr id="1" name="Shape 9"/>
+        <p:cNvGrpSpPr/>
+        <p:nvPr/>
+      </p:nvGrpSpPr>
+      <p:grpSpPr>
+        <a:xfrm>
+          <a:off x="0" y="0"/>
+          <a:ext cx="0" cy="0"/>
+          <a:chOff x="0" y="0"/>
+          <a:chExt cx="0" cy="0"/>
+        </a:xfrm>
+      </p:grpSpPr>
+      <p:sp>
+        <p:nvSpPr>
+          <p:cNvPr id="10" name="Google Shape;10;p2"/>
+          <p:cNvSpPr/>
+          <p:nvPr/>
+        </p:nvSpPr>
+        <p:spPr>
+          <a:xfrm>
+            <a:off x="-1" y="1829857"/>
+            <a:ext cx="12192001" cy="4103583"/>
+          </a:xfrm>
+          <a:prstGeom prst="rect">
+            <a:avLst/>
+          </a:prstGeom>
+          <a:solidFill>
+            <a:srgbClr val="C00000"/>
+          </a:solidFill>
+          <a:ln>
+            <a:noFill/>
+          </a:ln>
+        </p:spPr>
+        <p:txBody>
+          <a:bodyPr spcFirstLastPara="1" wrap="square" lIns="60950" tIns="60950" rIns="60950" bIns="60950" anchor="t" anchorCtr="0">
+            <a:noAutofit/>
+          </a:bodyPr>
+          <a:lstStyle/>
+          <a:p>
+            <a:pPr marL="0" marR="0" lvl="0" indent="0" algn="l" rtl="0">
+              <a:lnSpc>
+                <a:spcPct val="100000"/>
+              </a:lnSpc>
+              <a:spcBef>
+                <a:spcPts val="0"/>
+              </a:spcBef>
+              <a:spcAft>
+                <a:spcPts val="0"/>
+              </a:spcAft>
+              <a:buClr>
+                <a:srgbClr val="755AA0"/>
+              </a:buClr>
+              <a:buSzPts val="4000"/>
+              <a:buFont typeface="Arial"/>
+              <a:buNone/>
+            </a:pPr>
+            <a:endParaRPr sz="2000" b="0" i="1" u="none" strike="noStrike" cap="none">
+              <a:solidFill>
+                <a:srgbClr val="5C5C5C"/>
+              </a:solidFill>
+              <a:latin typeface="Arial"/>
+              <a:ea typeface="Arial"/>
+              <a:cs typeface="Arial"/>
+              <a:sym typeface="Arial"/>
+            </a:endParaRPr>
+          </a:p>
+        </p:txBody>
+      </p:sp>
+      <p:sp>
+        <p:nvSpPr>
+          <p:cNvPr id="11" name="Google Shape;11;p2"/>
+          <p:cNvSpPr txBox="1">
+            <a:spLocks noGrp="1"/>
+          </p:cNvSpPr>
+          <p:nvPr>
+            <p:ph type="title"/>
+          </p:nvPr>
+        </p:nvSpPr>
+        <p:spPr>
+          <a:xfrm>
+            <a:off x="1219200" y="2300656"/>
+            <a:ext cx="10261601" cy="1127787"/>
+          </a:xfrm>
+          <a:prstGeom prst="rect">
+            <a:avLst/>
+          </a:prstGeom>
+          <a:noFill/>
+          <a:ln>
+            <a:noFill/>
+          </a:ln>
+        </p:spPr>
+        <p:txBody>
+          <a:bodyPr spcFirstLastPara="1" wrap="square" lIns="121875" tIns="121875" rIns="121875" bIns="121875" anchor="t" anchorCtr="0">
+            <a:normAutofit/>
+          </a:bodyPr>
+          <a:lstStyle>
+            <a:lvl1pPr lvl="0" algn="l">
+              <a:lnSpc>
+                <a:spcPct val="100000"/>
+              </a:lnSpc>
+              <a:spcBef>
+                <a:spcPts val="0"/>
+              </a:spcBef>
+              <a:spcAft>
+                <a:spcPts val="0"/>
+              </a:spcAft>
+              <a:buClr>
+                <a:srgbClr val="FFFFFF"/>
+              </a:buClr>
+              <a:buSzPts val="11600"/>
+              <a:buFont typeface="Trebuchet MS"/>
+              <a:buNone/>
+              <a:defRPr sz="5800" b="1" cap="none">
+                <a:solidFill>
+                  <a:srgbClr val="FFFFFF"/>
+                </a:solidFill>
+                <a:latin typeface="Trebuchet MS"/>
+                <a:ea typeface="Trebuchet MS"/>
+                <a:cs typeface="Trebuchet MS"/>
+                <a:sym typeface="Trebuchet MS"/>
+              </a:defRPr>
+            </a:lvl1pPr>
+            <a:lvl2pPr lvl="1" algn="l">
+              <a:lnSpc>
+                <a:spcPct val="100000"/>
+              </a:lnSpc>
+              <a:spcBef>
+                <a:spcPts val="1650"/>
+              </a:spcBef>
+              <a:spcAft>
+                <a:spcPts val="0"/>
+              </a:spcAft>
+              <a:buClr>
+                <a:srgbClr val="747676"/>
+              </a:buClr>
+              <a:buSzPts val="1800"/>
+              <a:buNone/>
+              <a:defRPr/>
+            </a:lvl2pPr>
+            <a:lvl3pPr lvl="2" algn="l">
+              <a:lnSpc>
+                <a:spcPct val="100000"/>
+              </a:lnSpc>
+              <a:spcBef>
+                <a:spcPts val="1650"/>
+              </a:spcBef>
+              <a:spcAft>
+                <a:spcPts val="0"/>
+              </a:spcAft>
+              <a:buClr>
+                <a:srgbClr val="747676"/>
+              </a:buClr>
+              <a:buSzPts val="1800"/>
+              <a:buNone/>
+              <a:defRPr/>
+            </a:lvl3pPr>
+            <a:lvl4pPr lvl="3" algn="l">
+              <a:lnSpc>
+                <a:spcPct val="100000"/>
+              </a:lnSpc>
+              <a:spcBef>
+                <a:spcPts val="1650"/>
+              </a:spcBef>
+              <a:spcAft>
+                <a:spcPts val="0"/>
+              </a:spcAft>
+              <a:buClr>
+                <a:srgbClr val="747676"/>
+              </a:buClr>
+              <a:buSzPts val="1800"/>
+              <a:buNone/>
+              <a:defRPr/>
+            </a:lvl4pPr>
+            <a:lvl5pPr lvl="4" algn="l">
+              <a:lnSpc>
+                <a:spcPct val="100000"/>
+              </a:lnSpc>
+              <a:spcBef>
+                <a:spcPts val="1650"/>
+              </a:spcBef>
+              <a:spcAft>
+                <a:spcPts val="0"/>
+              </a:spcAft>
+              <a:buClr>
+                <a:srgbClr val="747676"/>
+              </a:buClr>
+              <a:buSzPts val="1800"/>
+              <a:buNone/>
+              <a:defRPr/>
+            </a:lvl5pPr>
+            <a:lvl6pPr lvl="5" algn="l">
+              <a:lnSpc>
+                <a:spcPct val="100000"/>
+              </a:lnSpc>
+              <a:spcBef>
+                <a:spcPts val="1650"/>
+              </a:spcBef>
+              <a:spcAft>
+                <a:spcPts val="0"/>
+              </a:spcAft>
+              <a:buClr>
+                <a:srgbClr val="747676"/>
+              </a:buClr>
+              <a:buSzPts val="1800"/>
+              <a:buNone/>
+              <a:defRPr/>
+            </a:lvl6pPr>
+            <a:lvl7pPr lvl="6" algn="l">
+              <a:lnSpc>
+                <a:spcPct val="100000"/>
+              </a:lnSpc>
+              <a:spcBef>
+                <a:spcPts val="1650"/>
+              </a:spcBef>
+              <a:spcAft>
+                <a:spcPts val="0"/>
+              </a:spcAft>
+              <a:buClr>
+                <a:srgbClr val="747676"/>
+              </a:buClr>
+              <a:buSzPts val="1800"/>
+              <a:buNone/>
+              <a:defRPr/>
+            </a:lvl7pPr>
+            <a:lvl8pPr lvl="7" algn="l">
+              <a:lnSpc>
+                <a:spcPct val="100000"/>
+              </a:lnSpc>
+              <a:spcBef>
+                <a:spcPts val="1650"/>
+              </a:spcBef>
+              <a:spcAft>
+                <a:spcPts val="0"/>
+              </a:spcAft>
+              <a:buClr>
+                <a:srgbClr val="747676"/>
+              </a:buClr>
+              <a:buSzPts val="1800"/>
+              <a:buNone/>
+              <a:defRPr/>
+            </a:lvl8pPr>
+            <a:lvl9pPr lvl="8" algn="l">
+              <a:lnSpc>
+                <a:spcPct val="100000"/>
+              </a:lnSpc>
+              <a:spcBef>
+                <a:spcPts val="1650"/>
+              </a:spcBef>
+              <a:spcAft>
+                <a:spcPts val="0"/>
+              </a:spcAft>
+              <a:buClr>
+                <a:srgbClr val="747676"/>
+              </a:buClr>
+              <a:buSzPts val="1800"/>
+              <a:buNone/>
+              <a:defRPr/>
+            </a:lvl9pPr>
+          </a:lstStyle>
+          <a:p>
+            <a:endParaRPr/>
+          </a:p>
+        </p:txBody>
+      </p:sp>
+      <p:sp>
+        <p:nvSpPr>
+          <p:cNvPr id="12" name="Google Shape;12;p2"/>
+          <p:cNvSpPr txBox="1">
+            <a:spLocks noGrp="1"/>
+          </p:cNvSpPr>
+          <p:nvPr>
+            <p:ph type="body" idx="1"/>
+          </p:nvPr>
+        </p:nvSpPr>
+        <p:spPr>
+          <a:xfrm>
+            <a:off x="1219200" y="4499825"/>
+            <a:ext cx="10261601" cy="685801"/>
+          </a:xfrm>
+          <a:prstGeom prst="rect">
+            <a:avLst/>
+          </a:prstGeom>
+          <a:noFill/>
+          <a:ln>
+            <a:noFill/>
+          </a:ln>
+        </p:spPr>
+        <p:txBody>
+          <a:bodyPr spcFirstLastPara="1" wrap="square" lIns="121875" tIns="121875" rIns="121875" bIns="121875" anchor="t" anchorCtr="0">
+            <a:normAutofit/>
+          </a:bodyPr>
+          <a:lstStyle>
+            <a:lvl1pPr marL="228600" lvl="0" indent="-114300" algn="l">
+              <a:lnSpc>
+                <a:spcPct val="90000"/>
+              </a:lnSpc>
+              <a:spcBef>
+                <a:spcPts val="750"/>
+              </a:spcBef>
+              <a:spcAft>
+                <a:spcPts val="0"/>
+              </a:spcAft>
+              <a:buClr>
+                <a:srgbClr val="FFFFFF"/>
+              </a:buClr>
+              <a:buSzPts val="6400"/>
+              <a:buFont typeface="Trebuchet MS"/>
+              <a:buNone/>
+              <a:defRPr sz="3200">
+                <a:solidFill>
+                  <a:srgbClr val="FFFFFF"/>
+                </a:solidFill>
+                <a:latin typeface="Trebuchet MS"/>
+                <a:ea typeface="Trebuchet MS"/>
+                <a:cs typeface="Trebuchet MS"/>
+                <a:sym typeface="Trebuchet MS"/>
+              </a:defRPr>
+            </a:lvl1pPr>
+            <a:lvl2pPr marL="457200" lvl="1" indent="-114300" algn="l">
+              <a:lnSpc>
+                <a:spcPct val="90000"/>
+              </a:lnSpc>
+              <a:spcBef>
+                <a:spcPts val="750"/>
+              </a:spcBef>
+              <a:spcAft>
+                <a:spcPts val="0"/>
+              </a:spcAft>
+              <a:buClr>
+                <a:srgbClr val="FFFFFF"/>
+              </a:buClr>
+              <a:buSzPts val="6400"/>
+              <a:buFont typeface="Trebuchet MS"/>
+              <a:buNone/>
+              <a:defRPr sz="3200">
+                <a:solidFill>
+                  <a:srgbClr val="FFFFFF"/>
+                </a:solidFill>
+                <a:latin typeface="Trebuchet MS"/>
+                <a:ea typeface="Trebuchet MS"/>
+                <a:cs typeface="Trebuchet MS"/>
+                <a:sym typeface="Trebuchet MS"/>
+              </a:defRPr>
+            </a:lvl2pPr>
+            <a:lvl3pPr marL="685800" lvl="2" indent="-114300" algn="l">
+              <a:lnSpc>
+                <a:spcPct val="90000"/>
+              </a:lnSpc>
+              <a:spcBef>
+                <a:spcPts val="750"/>
+              </a:spcBef>
+              <a:spcAft>
+                <a:spcPts val="0"/>
+              </a:spcAft>
+              <a:buClr>
+                <a:srgbClr val="FFFFFF"/>
+              </a:buClr>
+              <a:buSzPts val="6400"/>
+              <a:buFont typeface="Trebuchet MS"/>
+              <a:buNone/>
+              <a:defRPr sz="3200">
+                <a:solidFill>
+                  <a:srgbClr val="FFFFFF"/>
+                </a:solidFill>
+                <a:latin typeface="Trebuchet MS"/>
+                <a:ea typeface="Trebuchet MS"/>
+                <a:cs typeface="Trebuchet MS"/>
+                <a:sym typeface="Trebuchet MS"/>
+              </a:defRPr>
+            </a:lvl3pPr>
+            <a:lvl4pPr marL="914400" lvl="3" indent="-114300" algn="l">
+              <a:lnSpc>
+                <a:spcPct val="90000"/>
+              </a:lnSpc>
+              <a:spcBef>
+                <a:spcPts val="750"/>
+              </a:spcBef>
+              <a:spcAft>
+                <a:spcPts val="0"/>
+              </a:spcAft>
+              <a:buClr>
+                <a:srgbClr val="FFFFFF"/>
+              </a:buClr>
+              <a:buSzPts val="6400"/>
+              <a:buFont typeface="Trebuchet MS"/>
+              <a:buNone/>
+              <a:defRPr sz="3200">
+                <a:solidFill>
+                  <a:srgbClr val="FFFFFF"/>
+                </a:solidFill>
+                <a:latin typeface="Trebuchet MS"/>
+                <a:ea typeface="Trebuchet MS"/>
+                <a:cs typeface="Trebuchet MS"/>
+                <a:sym typeface="Trebuchet MS"/>
+              </a:defRPr>
+            </a:lvl4pPr>
+            <a:lvl5pPr marL="1143000" lvl="4" indent="-114300" algn="l">
+              <a:lnSpc>
+                <a:spcPct val="90000"/>
+              </a:lnSpc>
+              <a:spcBef>
+                <a:spcPts val="750"/>
+              </a:spcBef>
+              <a:spcAft>
+                <a:spcPts val="0"/>
+              </a:spcAft>
+              <a:buClr>
+                <a:srgbClr val="FFFFFF"/>
+              </a:buClr>
+              <a:buSzPts val="6400"/>
+              <a:buFont typeface="Trebuchet MS"/>
+              <a:buNone/>
+              <a:defRPr sz="3200">
+                <a:solidFill>
+                  <a:srgbClr val="FFFFFF"/>
+                </a:solidFill>
+                <a:latin typeface="Trebuchet MS"/>
+                <a:ea typeface="Trebuchet MS"/>
+                <a:cs typeface="Trebuchet MS"/>
+                <a:sym typeface="Trebuchet MS"/>
+              </a:defRPr>
+            </a:lvl5pPr>
+            <a:lvl6pPr marL="1371600" lvl="5" indent="-157163" algn="l">
+              <a:lnSpc>
+                <a:spcPct val="100000"/>
+              </a:lnSpc>
+              <a:spcBef>
+                <a:spcPts val="1250"/>
+              </a:spcBef>
+              <a:spcAft>
+                <a:spcPts val="0"/>
+              </a:spcAft>
+              <a:buClr>
+                <a:srgbClr val="5C5C5C"/>
+              </a:buClr>
+              <a:buSzPts val="1350"/>
+              <a:buChar char="●"/>
+              <a:defRPr/>
+            </a:lvl6pPr>
+            <a:lvl7pPr marL="1600200" lvl="6" indent="-157163" algn="l">
+              <a:lnSpc>
+                <a:spcPct val="100000"/>
+              </a:lnSpc>
+              <a:spcBef>
+                <a:spcPts val="1250"/>
+              </a:spcBef>
+              <a:spcAft>
+                <a:spcPts val="0"/>
+              </a:spcAft>
+              <a:buClr>
+                <a:srgbClr val="5C5C5C"/>
+              </a:buClr>
+              <a:buSzPts val="1350"/>
+              <a:buChar char="●"/>
+              <a:defRPr/>
+            </a:lvl7pPr>
+            <a:lvl8pPr marL="1828800" lvl="7" indent="-157163" algn="l">
+              <a:lnSpc>
+                <a:spcPct val="100000"/>
+              </a:lnSpc>
+              <a:spcBef>
+                <a:spcPts val="1250"/>
+              </a:spcBef>
+              <a:spcAft>
+                <a:spcPts val="0"/>
+              </a:spcAft>
+              <a:buClr>
+                <a:srgbClr val="5C5C5C"/>
+              </a:buClr>
+              <a:buSzPts val="1350"/>
+              <a:buChar char="●"/>
+              <a:defRPr/>
+            </a:lvl8pPr>
+            <a:lvl9pPr marL="2057400" lvl="8" indent="-157163" algn="l">
+              <a:lnSpc>
+                <a:spcPct val="100000"/>
+              </a:lnSpc>
+              <a:spcBef>
+                <a:spcPts val="1250"/>
+              </a:spcBef>
+              <a:spcAft>
+                <a:spcPts val="0"/>
+              </a:spcAft>
+              <a:buClr>
+                <a:srgbClr val="5C5C5C"/>
+              </a:buClr>
+              <a:buSzPts val="1350"/>
+              <a:buChar char="●"/>
+              <a:defRPr/>
+            </a:lvl9pPr>
+          </a:lstStyle>
+          <a:p>
+            <a:endParaRPr/>
+          </a:p>
+        </p:txBody>
+      </p:sp>
+      <p:pic>
+        <p:nvPicPr>
+          <p:cNvPr id="13" name="Google Shape;13;p2" descr="Picture 1"/>
+          <p:cNvPicPr preferRelativeResize="0"/>
+          <p:nvPr/>
+        </p:nvPicPr>
+        <p:blipFill rotWithShape="1">
+          <a:blip r:embed="rId2">
+            <a:alphaModFix/>
+          </a:blip>
+          <a:srcRect/>
+          <a:stretch/>
+        </p:blipFill>
+        <p:spPr>
+          <a:xfrm>
+            <a:off x="304799" y="274048"/>
+            <a:ext cx="2901697" cy="633985"/>
+          </a:xfrm>
+          <a:prstGeom prst="rect">
+            <a:avLst/>
+          </a:prstGeom>
+          <a:noFill/>
+          <a:ln>
+            <a:noFill/>
+          </a:ln>
+        </p:spPr>
+      </p:pic>
+      <p:pic>
+        <p:nvPicPr>
+          <p:cNvPr id="14" name="Google Shape;14;p2" descr="Picture 6"/>
+          <p:cNvPicPr preferRelativeResize="0"/>
+          <p:nvPr/>
+        </p:nvPicPr>
+        <p:blipFill rotWithShape="1">
+          <a:blip r:embed="rId2">
+            <a:alphaModFix/>
+          </a:blip>
+          <a:srcRect/>
+          <a:stretch/>
+        </p:blipFill>
+        <p:spPr>
+          <a:xfrm>
+            <a:off x="9902613" y="6257007"/>
+            <a:ext cx="2122764" cy="463798"/>
+          </a:xfrm>
+          <a:prstGeom prst="rect">
+            <a:avLst/>
+          </a:prstGeom>
+          <a:noFill/>
+          <a:ln>
+            <a:noFill/>
+          </a:ln>
+        </p:spPr>
+      </p:pic>
+      <p:sp>
+        <p:nvSpPr>
+          <p:cNvPr id="15" name="Google Shape;15;p2"/>
+          <p:cNvSpPr txBox="1">
+            <a:spLocks noGrp="1"/>
+          </p:cNvSpPr>
+          <p:nvPr>
+            <p:ph type="sldNum" idx="12"/>
+          </p:nvPr>
+        </p:nvSpPr>
+        <p:spPr>
+          <a:xfrm>
+            <a:off x="5892800" y="6110149"/>
+            <a:ext cx="2844801" cy="492402"/>
+          </a:xfrm>
+          <a:prstGeom prst="rect">
+            <a:avLst/>
+          </a:prstGeom>
+          <a:noFill/>
+          <a:ln>
+            <a:noFill/>
+          </a:ln>
+        </p:spPr>
+        <p:txBody>
+          <a:bodyPr spcFirstLastPara="1" wrap="square" lIns="121900" tIns="121900" rIns="121900" bIns="121900" anchor="ctr" anchorCtr="0">
+            <a:spAutoFit/>
+          </a:bodyPr>
+          <a:lstStyle>
+            <a:lvl1pPr marL="0" lvl="0" indent="0" algn="r">
+              <a:lnSpc>
+                <a:spcPct val="100000"/>
+              </a:lnSpc>
+              <a:spcBef>
+                <a:spcPts val="0"/>
+              </a:spcBef>
+              <a:spcAft>
+                <a:spcPts val="0"/>
+              </a:spcAft>
+              <a:buClr>
+                <a:srgbClr val="1E1E1E"/>
+              </a:buClr>
+              <a:buSzPts val="3200"/>
+              <a:buFont typeface="Arial"/>
+              <a:buNone/>
+              <a:defRPr sz="1600">
+                <a:solidFill>
+                  <a:srgbClr val="1E1E1E"/>
+                </a:solidFill>
+                <a:latin typeface="Arial"/>
+                <a:ea typeface="Arial"/>
+                <a:cs typeface="Arial"/>
+                <a:sym typeface="Arial"/>
+              </a:defRPr>
+            </a:lvl1pPr>
+            <a:lvl2pPr marL="0" lvl="1" indent="0" algn="r">
+              <a:lnSpc>
+                <a:spcPct val="100000"/>
+              </a:lnSpc>
+              <a:spcBef>
+                <a:spcPts val="0"/>
+              </a:spcBef>
+              <a:spcAft>
+                <a:spcPts val="0"/>
+              </a:spcAft>
+              <a:buClr>
+                <a:srgbClr val="1E1E1E"/>
+              </a:buClr>
+              <a:buSzPts val="3200"/>
+              <a:buFont typeface="Arial"/>
+              <a:buNone/>
+              <a:defRPr sz="1600">
+                <a:solidFill>
+                  <a:srgbClr val="1E1E1E"/>
+                </a:solidFill>
+                <a:latin typeface="Arial"/>
+                <a:ea typeface="Arial"/>
+                <a:cs typeface="Arial"/>
+                <a:sym typeface="Arial"/>
+              </a:defRPr>
+            </a:lvl2pPr>
+            <a:lvl3pPr marL="0" lvl="2" indent="0" algn="r">
+              <a:lnSpc>
+                <a:spcPct val="100000"/>
+              </a:lnSpc>
+              <a:spcBef>
+                <a:spcPts val="0"/>
+              </a:spcBef>
+              <a:spcAft>
+                <a:spcPts val="0"/>
+              </a:spcAft>
+              <a:buClr>
+                <a:srgbClr val="1E1E1E"/>
+              </a:buClr>
+              <a:buSzPts val="3200"/>
+              <a:buFont typeface="Arial"/>
+              <a:buNone/>
+              <a:defRPr sz="1600">
+                <a:solidFill>
+                  <a:srgbClr val="1E1E1E"/>
+                </a:solidFill>
+                <a:latin typeface="Arial"/>
+                <a:ea typeface="Arial"/>
+                <a:cs typeface="Arial"/>
+                <a:sym typeface="Arial"/>
+              </a:defRPr>
+            </a:lvl3pPr>
+            <a:lvl4pPr marL="0" lvl="3" indent="0" algn="r">
+              <a:lnSpc>
+                <a:spcPct val="100000"/>
+              </a:lnSpc>
+              <a:spcBef>
+                <a:spcPts val="0"/>
+              </a:spcBef>
+              <a:spcAft>
+                <a:spcPts val="0"/>
+              </a:spcAft>
+              <a:buClr>
+                <a:srgbClr val="1E1E1E"/>
+              </a:buClr>
+              <a:buSzPts val="3200"/>
+              <a:buFont typeface="Arial"/>
+              <a:buNone/>
+              <a:defRPr sz="1600">
+                <a:solidFill>
+                  <a:srgbClr val="1E1E1E"/>
+                </a:solidFill>
+                <a:latin typeface="Arial"/>
+                <a:ea typeface="Arial"/>
+                <a:cs typeface="Arial"/>
+                <a:sym typeface="Arial"/>
+              </a:defRPr>
+            </a:lvl4pPr>
+            <a:lvl5pPr marL="0" lvl="4" indent="0" algn="r">
+              <a:lnSpc>
+                <a:spcPct val="100000"/>
+              </a:lnSpc>
+              <a:spcBef>
+                <a:spcPts val="0"/>
+              </a:spcBef>
+              <a:spcAft>
+                <a:spcPts val="0"/>
+              </a:spcAft>
+              <a:buClr>
+                <a:srgbClr val="1E1E1E"/>
+              </a:buClr>
+              <a:buSzPts val="3200"/>
+              <a:buFont typeface="Arial"/>
+              <a:buNone/>
+              <a:defRPr sz="1600">
+                <a:solidFill>
+                  <a:srgbClr val="1E1E1E"/>
+                </a:solidFill>
+                <a:latin typeface="Arial"/>
+                <a:ea typeface="Arial"/>
+                <a:cs typeface="Arial"/>
+                <a:sym typeface="Arial"/>
+              </a:defRPr>
+            </a:lvl5pPr>
+            <a:lvl6pPr marL="0" lvl="5" indent="0" algn="r">
+              <a:lnSpc>
+                <a:spcPct val="100000"/>
+              </a:lnSpc>
+              <a:spcBef>
+                <a:spcPts val="0"/>
+              </a:spcBef>
+              <a:spcAft>
+                <a:spcPts val="0"/>
+              </a:spcAft>
+              <a:buClr>
+                <a:srgbClr val="1E1E1E"/>
+              </a:buClr>
+              <a:buSzPts val="3200"/>
+              <a:buFont typeface="Arial"/>
+              <a:buNone/>
+              <a:defRPr sz="1600">
+                <a:solidFill>
+                  <a:srgbClr val="1E1E1E"/>
+                </a:solidFill>
+                <a:latin typeface="Arial"/>
+                <a:ea typeface="Arial"/>
+                <a:cs typeface="Arial"/>
+                <a:sym typeface="Arial"/>
+              </a:defRPr>
+            </a:lvl6pPr>
+            <a:lvl7pPr marL="0" lvl="6" indent="0" algn="r">
+              <a:lnSpc>
+                <a:spcPct val="100000"/>
+              </a:lnSpc>
+              <a:spcBef>
+                <a:spcPts val="0"/>
+              </a:spcBef>
+              <a:spcAft>
+                <a:spcPts val="0"/>
+              </a:spcAft>
+              <a:buClr>
+                <a:srgbClr val="1E1E1E"/>
+              </a:buClr>
+              <a:buSzPts val="3200"/>
+              <a:buFont typeface="Arial"/>
+              <a:buNone/>
+              <a:defRPr sz="1600">
+                <a:solidFill>
+                  <a:srgbClr val="1E1E1E"/>
+                </a:solidFill>
+                <a:latin typeface="Arial"/>
+                <a:ea typeface="Arial"/>
+                <a:cs typeface="Arial"/>
+                <a:sym typeface="Arial"/>
+              </a:defRPr>
+            </a:lvl7pPr>
+            <a:lvl8pPr marL="0" lvl="7" indent="0" algn="r">
+              <a:lnSpc>
+                <a:spcPct val="100000"/>
+              </a:lnSpc>
+              <a:spcBef>
+                <a:spcPts val="0"/>
+              </a:spcBef>
+              <a:spcAft>
+                <a:spcPts val="0"/>
+              </a:spcAft>
+              <a:buClr>
+                <a:srgbClr val="1E1E1E"/>
+              </a:buClr>
+              <a:buSzPts val="3200"/>
+              <a:buFont typeface="Arial"/>
+              <a:buNone/>
+              <a:defRPr sz="1600">
+                <a:solidFill>
+                  <a:srgbClr val="1E1E1E"/>
+                </a:solidFill>
+                <a:latin typeface="Arial"/>
+                <a:ea typeface="Arial"/>
+                <a:cs typeface="Arial"/>
+                <a:sym typeface="Arial"/>
+              </a:defRPr>
+            </a:lvl8pPr>
+            <a:lvl9pPr marL="0" lvl="8" indent="0" algn="r">
+              <a:lnSpc>
+                <a:spcPct val="100000"/>
+              </a:lnSpc>
+              <a:spcBef>
+                <a:spcPts val="0"/>
+              </a:spcBef>
+              <a:spcAft>
+                <a:spcPts val="0"/>
+              </a:spcAft>
+              <a:buClr>
+                <a:srgbClr val="1E1E1E"/>
+              </a:buClr>
+              <a:buSzPts val="3200"/>
+              <a:buFont typeface="Arial"/>
+              <a:buNone/>
+              <a:defRPr sz="1600">
+                <a:solidFill>
+                  <a:srgbClr val="1E1E1E"/>
+                </a:solidFill>
+                <a:latin typeface="Arial"/>
+                <a:ea typeface="Arial"/>
+                <a:cs typeface="Arial"/>
+                <a:sym typeface="Arial"/>
+              </a:defRPr>
+            </a:lvl9pPr>
+          </a:lstStyle>
+          <a:p>
+            <a:fld id="{00000000-1234-1234-1234-123412341234}" type="slidenum">
+              <a:rPr lang="en-US" smtClean="0"/>
+              <a:pPr/>
+              <a:t>‹#›</a:t>
+            </a:fld>
+            <a:endParaRPr lang="en-US"/>
+          </a:p>
+        </p:txBody>
+      </p:sp>
+    </p:spTree>
+    <p:extLst>
+      <p:ext uri="{BB962C8B-B14F-4D97-AF65-F5344CB8AC3E}">
+        <p14:creationId xmlns:p14="http://schemas.microsoft.com/office/powerpoint/2010/main" val="3095217049"/>
       </p:ext>
     </p:extLst>
   </p:cSld>
@@ -3023,6 +4326,7 @@
     <p:sldLayoutId id="2147483657" r:id="rId9"/>
     <p:sldLayoutId id="2147483658" r:id="rId10"/>
     <p:sldLayoutId id="2147483659" r:id="rId11"/>
+    <p:sldLayoutId id="2147483660" r:id="rId12"/>
   </p:sldLayoutIdLst>
   <p:txStyles>
     <p:titleStyle>
@@ -3312,7 +4616,7 @@
   <p:cSld>
     <p:spTree>
       <p:nvGrpSpPr>
-        <p:cNvPr id="1" name=""/>
+        <p:cNvPr id="1" name="Shape 109"/>
         <p:cNvGrpSpPr/>
         <p:nvPr/>
       </p:nvGrpSpPr>
@@ -3326,96 +4630,160 @@
       </p:grpSpPr>
       <p:sp>
         <p:nvSpPr>
-          <p:cNvPr id="2" name="Title 1">
-            <a:extLst>
-              <a:ext uri="{FF2B5EF4-FFF2-40B4-BE49-F238E27FC236}">
-                <a16:creationId xmlns:a16="http://schemas.microsoft.com/office/drawing/2014/main" id="{FE69BF87-3C14-2F76-F1E1-10B93832D65F}"/>
-              </a:ext>
-            </a:extLst>
-          </p:cNvPr>
-          <p:cNvSpPr>
-            <a:spLocks noGrp="1"/>
-          </p:cNvSpPr>
-          <p:nvPr>
-            <p:ph type="ctrTitle"/>
-          </p:nvPr>
-        </p:nvSpPr>
-        <p:spPr/>
-        <p:txBody>
-          <a:bodyPr/>
-          <a:lstStyle/>
-          <a:p>
-            <a:endParaRPr lang="en-US"/>
-          </a:p>
-        </p:txBody>
-      </p:sp>
-      <p:sp>
-        <p:nvSpPr>
-          <p:cNvPr id="3" name="Subtitle 2">
-            <a:extLst>
-              <a:ext uri="{FF2B5EF4-FFF2-40B4-BE49-F238E27FC236}">
-                <a16:creationId xmlns:a16="http://schemas.microsoft.com/office/drawing/2014/main" id="{7B49C349-708A-8609-A0F1-F25975670203}"/>
-              </a:ext>
-            </a:extLst>
-          </p:cNvPr>
-          <p:cNvSpPr>
-            <a:spLocks noGrp="1"/>
-          </p:cNvSpPr>
-          <p:nvPr>
-            <p:ph type="subTitle" idx="1"/>
-          </p:nvPr>
-        </p:nvSpPr>
-        <p:spPr/>
-        <p:txBody>
-          <a:bodyPr/>
-          <a:lstStyle/>
-          <a:p>
-            <a:endParaRPr lang="en-US"/>
-          </a:p>
-        </p:txBody>
-      </p:sp>
-      <p:pic>
-        <p:nvPicPr>
-          <p:cNvPr id="5" name="Picture 4" descr="Chart&#10;&#10;Description automatically generated with medium confidence">
-            <a:extLst>
-              <a:ext uri="{FF2B5EF4-FFF2-40B4-BE49-F238E27FC236}">
-                <a16:creationId xmlns:a16="http://schemas.microsoft.com/office/drawing/2014/main" id="{C1C027E2-60B9-12F8-EDC7-4E524B686F49}"/>
-              </a:ext>
-            </a:extLst>
-          </p:cNvPr>
-          <p:cNvPicPr>
-            <a:picLocks noChangeAspect="1"/>
-          </p:cNvPicPr>
-          <p:nvPr/>
-        </p:nvPicPr>
-        <p:blipFill>
-          <a:blip r:embed="rId2">
-            <a:extLst>
-              <a:ext uri="{28A0092B-C50C-407E-A947-70E740481C1C}">
-                <a14:useLocalDpi xmlns:a14="http://schemas.microsoft.com/office/drawing/2010/main" val="0"/>
-              </a:ext>
-            </a:extLst>
-          </a:blip>
-          <a:stretch>
-            <a:fillRect/>
-          </a:stretch>
-        </p:blipFill>
+          <p:cNvPr id="110" name="Google Shape;110;p21"/>
+          <p:cNvSpPr txBox="1">
+            <a:spLocks noGrp="1"/>
+          </p:cNvSpPr>
+          <p:nvPr>
+            <p:ph type="title"/>
+          </p:nvPr>
+        </p:nvSpPr>
         <p:spPr>
           <a:xfrm>
-            <a:off x="1" y="60581"/>
-            <a:ext cx="12192000" cy="6715418"/>
+            <a:off x="213000" y="2219572"/>
+            <a:ext cx="11766000" cy="773850"/>
           </a:xfrm>
           <a:prstGeom prst="rect">
             <a:avLst/>
           </a:prstGeom>
+          <a:noFill/>
+          <a:ln>
+            <a:noFill/>
+          </a:ln>
         </p:spPr>
-      </p:pic>
+        <p:txBody>
+          <a:bodyPr spcFirstLastPara="1" vert="horz" wrap="square" lIns="60938" tIns="60938" rIns="60938" bIns="60938" rtlCol="0" anchor="t" anchorCtr="0">
+            <a:normAutofit/>
+          </a:bodyPr>
+          <a:lstStyle/>
+          <a:p>
+            <a:pPr algn="ctr">
+              <a:buSzPts val="7029"/>
+            </a:pPr>
+            <a:r>
+              <a:rPr lang="en-US" sz="2700" dirty="0">
+                <a:latin typeface="Times New Roman"/>
+                <a:cs typeface="Times New Roman"/>
+              </a:rPr>
+              <a:t>Group Assignment - TED Talk Data</a:t>
+            </a:r>
+            <a:endParaRPr lang="en-US" sz="2700" dirty="0">
+              <a:latin typeface="Times New Roman"/>
+              <a:cs typeface="Times New Roman"/>
+              <a:sym typeface="Times New Roman"/>
+            </a:endParaRPr>
+          </a:p>
+        </p:txBody>
+      </p:sp>
+      <p:sp>
+        <p:nvSpPr>
+          <p:cNvPr id="111" name="Google Shape;111;p21"/>
+          <p:cNvSpPr txBox="1">
+            <a:spLocks noGrp="1"/>
+          </p:cNvSpPr>
+          <p:nvPr>
+            <p:ph type="body" idx="1"/>
+          </p:nvPr>
+        </p:nvSpPr>
+        <p:spPr>
+          <a:xfrm>
+            <a:off x="2658979" y="3557805"/>
+            <a:ext cx="7231050" cy="1891350"/>
+          </a:xfrm>
+          <a:prstGeom prst="rect">
+            <a:avLst/>
+          </a:prstGeom>
+          <a:noFill/>
+          <a:ln>
+            <a:noFill/>
+          </a:ln>
+        </p:spPr>
+        <p:txBody>
+          <a:bodyPr spcFirstLastPara="1" vert="horz" wrap="square" lIns="60938" tIns="60938" rIns="60938" bIns="60938" rtlCol="0" anchor="t" anchorCtr="0">
+            <a:normAutofit/>
+          </a:bodyPr>
+          <a:lstStyle/>
+          <a:p>
+            <a:pPr marL="0" indent="0" algn="ctr">
+              <a:spcBef>
+                <a:spcPts val="0"/>
+              </a:spcBef>
+              <a:buSzPts val="5400"/>
+            </a:pPr>
+            <a:r>
+              <a:rPr lang="en-US" sz="2700" dirty="0">
+                <a:latin typeface="Times New Roman"/>
+                <a:ea typeface="Times New Roman"/>
+                <a:cs typeface="Times New Roman"/>
+                <a:sym typeface="Times New Roman"/>
+              </a:rPr>
+              <a:t>Presented By- Group 3</a:t>
+            </a:r>
+            <a:endParaRPr sz="2700" dirty="0">
+              <a:latin typeface="Times New Roman"/>
+              <a:ea typeface="Times New Roman"/>
+              <a:cs typeface="Times New Roman"/>
+              <a:sym typeface="Times New Roman"/>
+            </a:endParaRPr>
+          </a:p>
+          <a:p>
+            <a:pPr marL="0" indent="0" algn="ctr">
+              <a:spcBef>
+                <a:spcPts val="400"/>
+              </a:spcBef>
+              <a:buSzPts val="4400"/>
+            </a:pPr>
+            <a:endParaRPr sz="2200" dirty="0">
+              <a:latin typeface="Times New Roman"/>
+              <a:ea typeface="Times New Roman"/>
+              <a:cs typeface="Times New Roman"/>
+              <a:sym typeface="Times New Roman"/>
+            </a:endParaRPr>
+          </a:p>
+          <a:p>
+            <a:pPr marL="0" indent="0" algn="ctr">
+              <a:spcBef>
+                <a:spcPts val="400"/>
+              </a:spcBef>
+              <a:buSzPts val="4400"/>
+            </a:pPr>
+            <a:r>
+              <a:rPr lang="en-US" sz="2200" dirty="0">
+                <a:latin typeface="Times New Roman"/>
+                <a:ea typeface="Times New Roman"/>
+                <a:cs typeface="Times New Roman"/>
+                <a:sym typeface="Times New Roman"/>
+              </a:rPr>
+              <a:t>Temple University</a:t>
+            </a:r>
+            <a:endParaRPr dirty="0"/>
+          </a:p>
+          <a:p>
+            <a:pPr marL="0" indent="0" algn="ctr">
+              <a:spcBef>
+                <a:spcPts val="400"/>
+              </a:spcBef>
+              <a:buSzPts val="4400"/>
+            </a:pPr>
+            <a:r>
+              <a:rPr lang="en-US" sz="2200" dirty="0">
+                <a:latin typeface="Times New Roman"/>
+                <a:ea typeface="Times New Roman"/>
+                <a:cs typeface="Times New Roman"/>
+                <a:sym typeface="Times New Roman"/>
+              </a:rPr>
+              <a:t>October 2022</a:t>
+            </a:r>
+            <a:endParaRPr sz="2200" dirty="0">
+              <a:latin typeface="Times New Roman"/>
+              <a:ea typeface="Times New Roman"/>
+              <a:cs typeface="Times New Roman"/>
+              <a:sym typeface="Times New Roman"/>
+            </a:endParaRPr>
+          </a:p>
+        </p:txBody>
+      </p:sp>
     </p:spTree>
-    <p:extLst>
-      <p:ext uri="{BB962C8B-B14F-4D97-AF65-F5344CB8AC3E}">
-        <p14:creationId xmlns:p14="http://schemas.microsoft.com/office/powerpoint/2010/main" val="3431946416"/>
-      </p:ext>
-    </p:extLst>
   </p:cSld>
   <p:clrMapOvr>
     <a:masterClrMapping/>
@@ -3440,12 +4808,62 @@
           <a:chExt cx="0" cy="0"/>
         </a:xfrm>
       </p:grpSpPr>
+      <p:sp>
+        <p:nvSpPr>
+          <p:cNvPr id="2" name="Title 1">
+            <a:extLst>
+              <a:ext uri="{FF2B5EF4-FFF2-40B4-BE49-F238E27FC236}">
+                <a16:creationId xmlns:a16="http://schemas.microsoft.com/office/drawing/2014/main" id="{FE69BF87-3C14-2F76-F1E1-10B93832D65F}"/>
+              </a:ext>
+            </a:extLst>
+          </p:cNvPr>
+          <p:cNvSpPr>
+            <a:spLocks noGrp="1"/>
+          </p:cNvSpPr>
+          <p:nvPr>
+            <p:ph type="ctrTitle"/>
+          </p:nvPr>
+        </p:nvSpPr>
+        <p:spPr/>
+        <p:txBody>
+          <a:bodyPr/>
+          <a:lstStyle/>
+          <a:p>
+            <a:endParaRPr lang="en-US"/>
+          </a:p>
+        </p:txBody>
+      </p:sp>
+      <p:sp>
+        <p:nvSpPr>
+          <p:cNvPr id="3" name="Subtitle 2">
+            <a:extLst>
+              <a:ext uri="{FF2B5EF4-FFF2-40B4-BE49-F238E27FC236}">
+                <a16:creationId xmlns:a16="http://schemas.microsoft.com/office/drawing/2014/main" id="{7B49C349-708A-8609-A0F1-F25975670203}"/>
+              </a:ext>
+            </a:extLst>
+          </p:cNvPr>
+          <p:cNvSpPr>
+            <a:spLocks noGrp="1"/>
+          </p:cNvSpPr>
+          <p:nvPr>
+            <p:ph type="subTitle" idx="1"/>
+          </p:nvPr>
+        </p:nvSpPr>
+        <p:spPr/>
+        <p:txBody>
+          <a:bodyPr/>
+          <a:lstStyle/>
+          <a:p>
+            <a:endParaRPr lang="en-US"/>
+          </a:p>
+        </p:txBody>
+      </p:sp>
       <p:pic>
         <p:nvPicPr>
-          <p:cNvPr id="3" name="Picture 2" descr="A picture containing chart&#10;&#10;Description automatically generated">
-            <a:extLst>
-              <a:ext uri="{FF2B5EF4-FFF2-40B4-BE49-F238E27FC236}">
-                <a16:creationId xmlns:a16="http://schemas.microsoft.com/office/drawing/2014/main" id="{82D0931E-3103-9794-B78C-5DFAD55EF618}"/>
+          <p:cNvPr id="5" name="Picture 4" descr="Chart&#10;&#10;Description automatically generated with medium confidence">
+            <a:extLst>
+              <a:ext uri="{FF2B5EF4-FFF2-40B4-BE49-F238E27FC236}">
+                <a16:creationId xmlns:a16="http://schemas.microsoft.com/office/drawing/2014/main" id="{C1C027E2-60B9-12F8-EDC7-4E524B686F49}"/>
               </a:ext>
             </a:extLst>
           </p:cNvPr>
@@ -3468,8 +4886,8 @@
         </p:blipFill>
         <p:spPr>
           <a:xfrm>
-            <a:off x="891540" y="502920"/>
-            <a:ext cx="10408920" cy="5852160"/>
+            <a:off x="1" y="38100"/>
+            <a:ext cx="12192000" cy="6737899"/>
           </a:xfrm>
           <a:prstGeom prst="rect">
             <a:avLst/>
@@ -3479,7 +4897,7 @@
     </p:spTree>
     <p:extLst>
       <p:ext uri="{BB962C8B-B14F-4D97-AF65-F5344CB8AC3E}">
-        <p14:creationId xmlns:p14="http://schemas.microsoft.com/office/powerpoint/2010/main" val="3396438520"/>
+        <p14:creationId xmlns:p14="http://schemas.microsoft.com/office/powerpoint/2010/main" val="3431946416"/>
       </p:ext>
     </p:extLst>
   </p:cSld>
@@ -3508,10 +4926,10 @@
       </p:grpSpPr>
       <p:pic>
         <p:nvPicPr>
-          <p:cNvPr id="3" name="Picture 2" descr="Chart&#10;&#10;Description automatically generated">
-            <a:extLst>
-              <a:ext uri="{FF2B5EF4-FFF2-40B4-BE49-F238E27FC236}">
-                <a16:creationId xmlns:a16="http://schemas.microsoft.com/office/drawing/2014/main" id="{BB721D11-C8E5-797F-1004-A34F973FA8CB}"/>
+          <p:cNvPr id="3" name="Picture 2" descr="A picture containing chart&#10;&#10;Description automatically generated">
+            <a:extLst>
+              <a:ext uri="{FF2B5EF4-FFF2-40B4-BE49-F238E27FC236}">
+                <a16:creationId xmlns:a16="http://schemas.microsoft.com/office/drawing/2014/main" id="{82D0931E-3103-9794-B78C-5DFAD55EF618}"/>
               </a:ext>
             </a:extLst>
           </p:cNvPr>
@@ -3534,8 +4952,74 @@
         </p:blipFill>
         <p:spPr>
           <a:xfrm>
-            <a:off x="891540" y="502920"/>
-            <a:ext cx="10408920" cy="5852160"/>
+            <a:off x="1" y="0"/>
+            <a:ext cx="12192000" cy="6856327"/>
+          </a:xfrm>
+          <a:prstGeom prst="rect">
+            <a:avLst/>
+          </a:prstGeom>
+        </p:spPr>
+      </p:pic>
+    </p:spTree>
+    <p:extLst>
+      <p:ext uri="{BB962C8B-B14F-4D97-AF65-F5344CB8AC3E}">
+        <p14:creationId xmlns:p14="http://schemas.microsoft.com/office/powerpoint/2010/main" val="3396438520"/>
+      </p:ext>
+    </p:extLst>
+  </p:cSld>
+  <p:clrMapOvr>
+    <a:masterClrMapping/>
+  </p:clrMapOvr>
+</p:sld>
+</file>
+
+<file path=ppt/slides/slide4.xml><?xml version="1.0" encoding="utf-8"?>
+<p:sld xmlns:a="http://schemas.openxmlformats.org/drawingml/2006/main" xmlns:r="http://schemas.openxmlformats.org/officeDocument/2006/relationships" xmlns:p="http://schemas.openxmlformats.org/presentationml/2006/main">
+  <p:cSld>
+    <p:spTree>
+      <p:nvGrpSpPr>
+        <p:cNvPr id="1" name=""/>
+        <p:cNvGrpSpPr/>
+        <p:nvPr/>
+      </p:nvGrpSpPr>
+      <p:grpSpPr>
+        <a:xfrm>
+          <a:off x="0" y="0"/>
+          <a:ext cx="0" cy="0"/>
+          <a:chOff x="0" y="0"/>
+          <a:chExt cx="0" cy="0"/>
+        </a:xfrm>
+      </p:grpSpPr>
+      <p:pic>
+        <p:nvPicPr>
+          <p:cNvPr id="4" name="Picture 3" descr="Chart&#10;&#10;Description automatically generated">
+            <a:extLst>
+              <a:ext uri="{FF2B5EF4-FFF2-40B4-BE49-F238E27FC236}">
+                <a16:creationId xmlns:a16="http://schemas.microsoft.com/office/drawing/2014/main" id="{0FD2D328-6F69-6F05-31BC-E01B4C5C3E16}"/>
+              </a:ext>
+            </a:extLst>
+          </p:cNvPr>
+          <p:cNvPicPr>
+            <a:picLocks noChangeAspect="1"/>
+          </p:cNvPicPr>
+          <p:nvPr/>
+        </p:nvPicPr>
+        <p:blipFill>
+          <a:blip r:embed="rId2">
+            <a:extLst>
+              <a:ext uri="{28A0092B-C50C-407E-A947-70E740481C1C}">
+                <a14:useLocalDpi xmlns:a14="http://schemas.microsoft.com/office/drawing/2010/main" val="0"/>
+              </a:ext>
+            </a:extLst>
+          </a:blip>
+          <a:stretch>
+            <a:fillRect/>
+          </a:stretch>
+        </p:blipFill>
+        <p:spPr>
+          <a:xfrm>
+            <a:off x="0" y="2233"/>
+            <a:ext cx="12192000" cy="6853533"/>
           </a:xfrm>
           <a:prstGeom prst="rect">
             <a:avLst/>
@@ -3555,7 +5039,7 @@
 </p:sld>
 </file>
 
-<file path=ppt/slides/slide4.xml><?xml version="1.0" encoding="utf-8"?>
+<file path=ppt/slides/slide5.xml><?xml version="1.0" encoding="utf-8"?>
 <p:sld xmlns:a="http://schemas.openxmlformats.org/drawingml/2006/main" xmlns:r="http://schemas.openxmlformats.org/officeDocument/2006/relationships" xmlns:p="http://schemas.openxmlformats.org/presentationml/2006/main">
   <p:cSld>
     <p:spTree>
@@ -3946,4 +5430,299 @@
     </a:ext>
   </a:extLst>
 </a:theme>
+</file>
+
+<file path=ppt/theme/theme2.xml><?xml version="1.0" encoding="utf-8"?>
+<a:theme xmlns:a="http://schemas.openxmlformats.org/drawingml/2006/main" name="Office Theme">
+  <a:themeElements>
+    <a:clrScheme name="Office">
+      <a:dk1>
+        <a:sysClr val="windowText" lastClr="000000"/>
+      </a:dk1>
+      <a:lt1>
+        <a:sysClr val="window" lastClr="FFFFFF"/>
+      </a:lt1>
+      <a:dk2>
+        <a:srgbClr val="44546A"/>
+      </a:dk2>
+      <a:lt2>
+        <a:srgbClr val="E7E6E6"/>
+      </a:lt2>
+      <a:accent1>
+        <a:srgbClr val="4472C4"/>
+      </a:accent1>
+      <a:accent2>
+        <a:srgbClr val="ED7D31"/>
+      </a:accent2>
+      <a:accent3>
+        <a:srgbClr val="A5A5A5"/>
+      </a:accent3>
+      <a:accent4>
+        <a:srgbClr val="FFC000"/>
+      </a:accent4>
+      <a:accent5>
+        <a:srgbClr val="5B9BD5"/>
+      </a:accent5>
+      <a:accent6>
+        <a:srgbClr val="70AD47"/>
+      </a:accent6>
+      <a:hlink>
+        <a:srgbClr val="0563C1"/>
+      </a:hlink>
+      <a:folHlink>
+        <a:srgbClr val="954F72"/>
+      </a:folHlink>
+    </a:clrScheme>
+    <a:fontScheme name="Office">
+      <a:majorFont>
+        <a:latin typeface="Calibri Light" panose="020F0302020204030204"/>
+        <a:ea typeface=""/>
+        <a:cs typeface=""/>
+        <a:font script="Jpan" typeface="游ゴシック Light"/>
+        <a:font script="Hang" typeface="맑은 고딕"/>
+        <a:font script="Hans" typeface="等线 Light"/>
+        <a:font script="Hant" typeface="新細明體"/>
+        <a:font script="Arab" typeface="Times New Roman"/>
+        <a:font script="Hebr" typeface="Times New Roman"/>
+        <a:font script="Thai" typeface="Angsana New"/>
+        <a:font script="Ethi" typeface="Nyala"/>
+        <a:font script="Beng" typeface="Vrinda"/>
+        <a:font script="Gujr" typeface="Shruti"/>
+        <a:font script="Khmr" typeface="MoolBoran"/>
+        <a:font script="Knda" typeface="Tunga"/>
+        <a:font script="Guru" typeface="Raavi"/>
+        <a:font script="Cans" typeface="Euphemia"/>
+        <a:font script="Cher" typeface="Plantagenet Cherokee"/>
+        <a:font script="Yiii" typeface="Microsoft Yi Baiti"/>
+        <a:font script="Tibt" typeface="Microsoft Himalaya"/>
+        <a:font script="Thaa" typeface="MV Boli"/>
+        <a:font script="Deva" typeface="Mangal"/>
+        <a:font script="Telu" typeface="Gautami"/>
+        <a:font script="Taml" typeface="Latha"/>
+        <a:font script="Syrc" typeface="Estrangelo Edessa"/>
+        <a:font script="Orya" typeface="Kalinga"/>
+        <a:font script="Mlym" typeface="Kartika"/>
+        <a:font script="Laoo" typeface="DokChampa"/>
+        <a:font script="Sinh" typeface="Iskoola Pota"/>
+        <a:font script="Mong" typeface="Mongolian Baiti"/>
+        <a:font script="Viet" typeface="Times New Roman"/>
+        <a:font script="Uigh" typeface="Microsoft Uighur"/>
+        <a:font script="Geor" typeface="Sylfaen"/>
+        <a:font script="Armn" typeface="Arial"/>
+        <a:font script="Bugi" typeface="Leelawadee UI"/>
+        <a:font script="Bopo" typeface="Microsoft JhengHei"/>
+        <a:font script="Java" typeface="Javanese Text"/>
+        <a:font script="Lisu" typeface="Segoe UI"/>
+        <a:font script="Mymr" typeface="Myanmar Text"/>
+        <a:font script="Nkoo" typeface="Ebrima"/>
+        <a:font script="Olck" typeface="Nirmala UI"/>
+        <a:font script="Osma" typeface="Ebrima"/>
+        <a:font script="Phag" typeface="Phagspa"/>
+        <a:font script="Syrn" typeface="Estrangelo Edessa"/>
+        <a:font script="Syrj" typeface="Estrangelo Edessa"/>
+        <a:font script="Syre" typeface="Estrangelo Edessa"/>
+        <a:font script="Sora" typeface="Nirmala UI"/>
+        <a:font script="Tale" typeface="Microsoft Tai Le"/>
+        <a:font script="Talu" typeface="Microsoft New Tai Lue"/>
+        <a:font script="Tfng" typeface="Ebrima"/>
+      </a:majorFont>
+      <a:minorFont>
+        <a:latin typeface="Calibri" panose="020F0502020204030204"/>
+        <a:ea typeface=""/>
+        <a:cs typeface=""/>
+        <a:font script="Jpan" typeface="游ゴシック"/>
+        <a:font script="Hang" typeface="맑은 고딕"/>
+        <a:font script="Hans" typeface="等线"/>
+        <a:font script="Hant" typeface="新細明體"/>
+        <a:font script="Arab" typeface="Arial"/>
+        <a:font script="Hebr" typeface="Arial"/>
+        <a:font script="Thai" typeface="Cordia New"/>
+        <a:font script="Ethi" typeface="Nyala"/>
+        <a:font script="Beng" typeface="Vrinda"/>
+        <a:font script="Gujr" typeface="Shruti"/>
+        <a:font script="Khmr" typeface="DaunPenh"/>
+        <a:font script="Knda" typeface="Tunga"/>
+        <a:font script="Guru" typeface="Raavi"/>
+        <a:font script="Cans" typeface="Euphemia"/>
+        <a:font script="Cher" typeface="Plantagenet Cherokee"/>
+        <a:font script="Yiii" typeface="Microsoft Yi Baiti"/>
+        <a:font script="Tibt" typeface="Microsoft Himalaya"/>
+        <a:font script="Thaa" typeface="MV Boli"/>
+        <a:font script="Deva" typeface="Mangal"/>
+        <a:font script="Telu" typeface="Gautami"/>
+        <a:font script="Taml" typeface="Latha"/>
+        <a:font script="Syrc" typeface="Estrangelo Edessa"/>
+        <a:font script="Orya" typeface="Kalinga"/>
+        <a:font script="Mlym" typeface="Kartika"/>
+        <a:font script="Laoo" typeface="DokChampa"/>
+        <a:font script="Sinh" typeface="Iskoola Pota"/>
+        <a:font script="Mong" typeface="Mongolian Baiti"/>
+        <a:font script="Viet" typeface="Arial"/>
+        <a:font script="Uigh" typeface="Microsoft Uighur"/>
+        <a:font script="Geor" typeface="Sylfaen"/>
+        <a:font script="Armn" typeface="Arial"/>
+        <a:font script="Bugi" typeface="Leelawadee UI"/>
+        <a:font script="Bopo" typeface="Microsoft JhengHei"/>
+        <a:font script="Java" typeface="Javanese Text"/>
+        <a:font script="Lisu" typeface="Segoe UI"/>
+        <a:font script="Mymr" typeface="Myanmar Text"/>
+        <a:font script="Nkoo" typeface="Ebrima"/>
+        <a:font script="Olck" typeface="Nirmala UI"/>
+        <a:font script="Osma" typeface="Ebrima"/>
+        <a:font script="Phag" typeface="Phagspa"/>
+        <a:font script="Syrn" typeface="Estrangelo Edessa"/>
+        <a:font script="Syrj" typeface="Estrangelo Edessa"/>
+        <a:font script="Syre" typeface="Estrangelo Edessa"/>
+        <a:font script="Sora" typeface="Nirmala UI"/>
+        <a:font script="Tale" typeface="Microsoft Tai Le"/>
+        <a:font script="Talu" typeface="Microsoft New Tai Lue"/>
+        <a:font script="Tfng" typeface="Ebrima"/>
+      </a:minorFont>
+    </a:fontScheme>
+    <a:fmtScheme name="Office">
+      <a:fillStyleLst>
+        <a:solidFill>
+          <a:schemeClr val="phClr"/>
+        </a:solidFill>
+        <a:gradFill rotWithShape="1">
+          <a:gsLst>
+            <a:gs pos="0">
+              <a:schemeClr val="phClr">
+                <a:lumMod val="110000"/>
+                <a:satMod val="105000"/>
+                <a:tint val="67000"/>
+              </a:schemeClr>
+            </a:gs>
+            <a:gs pos="50000">
+              <a:schemeClr val="phClr">
+                <a:lumMod val="105000"/>
+                <a:satMod val="103000"/>
+                <a:tint val="73000"/>
+              </a:schemeClr>
+            </a:gs>
+            <a:gs pos="100000">
+              <a:schemeClr val="phClr">
+                <a:lumMod val="105000"/>
+                <a:satMod val="109000"/>
+                <a:tint val="81000"/>
+              </a:schemeClr>
+            </a:gs>
+          </a:gsLst>
+          <a:lin ang="5400000" scaled="0"/>
+        </a:gradFill>
+        <a:gradFill rotWithShape="1">
+          <a:gsLst>
+            <a:gs pos="0">
+              <a:schemeClr val="phClr">
+                <a:satMod val="103000"/>
+                <a:lumMod val="102000"/>
+                <a:tint val="94000"/>
+              </a:schemeClr>
+            </a:gs>
+            <a:gs pos="50000">
+              <a:schemeClr val="phClr">
+                <a:satMod val="110000"/>
+                <a:lumMod val="100000"/>
+                <a:shade val="100000"/>
+              </a:schemeClr>
+            </a:gs>
+            <a:gs pos="100000">
+              <a:schemeClr val="phClr">
+                <a:lumMod val="99000"/>
+                <a:satMod val="120000"/>
+                <a:shade val="78000"/>
+              </a:schemeClr>
+            </a:gs>
+          </a:gsLst>
+          <a:lin ang="5400000" scaled="0"/>
+        </a:gradFill>
+      </a:fillStyleLst>
+      <a:lnStyleLst>
+        <a:ln w="6350" cap="flat" cmpd="sng" algn="ctr">
+          <a:solidFill>
+            <a:schemeClr val="phClr"/>
+          </a:solidFill>
+          <a:prstDash val="solid"/>
+          <a:miter lim="800000"/>
+        </a:ln>
+        <a:ln w="12700" cap="flat" cmpd="sng" algn="ctr">
+          <a:solidFill>
+            <a:schemeClr val="phClr"/>
+          </a:solidFill>
+          <a:prstDash val="solid"/>
+          <a:miter lim="800000"/>
+        </a:ln>
+        <a:ln w="19050" cap="flat" cmpd="sng" algn="ctr">
+          <a:solidFill>
+            <a:schemeClr val="phClr"/>
+          </a:solidFill>
+          <a:prstDash val="solid"/>
+          <a:miter lim="800000"/>
+        </a:ln>
+      </a:lnStyleLst>
+      <a:effectStyleLst>
+        <a:effectStyle>
+          <a:effectLst/>
+        </a:effectStyle>
+        <a:effectStyle>
+          <a:effectLst/>
+        </a:effectStyle>
+        <a:effectStyle>
+          <a:effectLst>
+            <a:outerShdw blurRad="57150" dist="19050" dir="5400000" algn="ctr" rotWithShape="0">
+              <a:srgbClr val="000000">
+                <a:alpha val="63000"/>
+              </a:srgbClr>
+            </a:outerShdw>
+          </a:effectLst>
+        </a:effectStyle>
+      </a:effectStyleLst>
+      <a:bgFillStyleLst>
+        <a:solidFill>
+          <a:schemeClr val="phClr"/>
+        </a:solidFill>
+        <a:solidFill>
+          <a:schemeClr val="phClr">
+            <a:tint val="95000"/>
+            <a:satMod val="170000"/>
+          </a:schemeClr>
+        </a:solidFill>
+        <a:gradFill rotWithShape="1">
+          <a:gsLst>
+            <a:gs pos="0">
+              <a:schemeClr val="phClr">
+                <a:tint val="93000"/>
+                <a:satMod val="150000"/>
+                <a:shade val="98000"/>
+                <a:lumMod val="102000"/>
+              </a:schemeClr>
+            </a:gs>
+            <a:gs pos="50000">
+              <a:schemeClr val="phClr">
+                <a:tint val="98000"/>
+                <a:satMod val="130000"/>
+                <a:shade val="90000"/>
+                <a:lumMod val="103000"/>
+              </a:schemeClr>
+            </a:gs>
+            <a:gs pos="100000">
+              <a:schemeClr val="phClr">
+                <a:shade val="63000"/>
+                <a:satMod val="120000"/>
+              </a:schemeClr>
+            </a:gs>
+          </a:gsLst>
+          <a:lin ang="5400000" scaled="0"/>
+        </a:gradFill>
+      </a:bgFillStyleLst>
+    </a:fmtScheme>
+  </a:themeElements>
+  <a:objectDefaults/>
+  <a:extraClrSchemeLst/>
+  <a:extLst>
+    <a:ext uri="{05A4C25C-085E-4340-85A3-A5531E510DB2}">
+      <thm15:themeFamily xmlns:thm15="http://schemas.microsoft.com/office/thememl/2012/main" name="Office Theme" id="{62F939B6-93AF-4DB8-9C6B-D6C7DFDC589F}" vid="{4A3C46E8-61CC-4603-A589-7422A47A8E4A}"/>
+    </a:ext>
+  </a:extLst>
+</a:theme>
 </file>
--- a/TedTalk_EDA.pptx
+++ b/TedTalk_EDA.pptx
@@ -4860,10 +4860,10 @@
       </p:sp>
       <p:pic>
         <p:nvPicPr>
-          <p:cNvPr id="5" name="Picture 4" descr="Chart&#10;&#10;Description automatically generated with medium confidence">
-            <a:extLst>
-              <a:ext uri="{FF2B5EF4-FFF2-40B4-BE49-F238E27FC236}">
-                <a16:creationId xmlns:a16="http://schemas.microsoft.com/office/drawing/2014/main" id="{C1C027E2-60B9-12F8-EDC7-4E524B686F49}"/>
+          <p:cNvPr id="8" name="Picture 7" descr="Chart, bar chart&#10;&#10;Description automatically generated">
+            <a:extLst>
+              <a:ext uri="{FF2B5EF4-FFF2-40B4-BE49-F238E27FC236}">
+                <a16:creationId xmlns:a16="http://schemas.microsoft.com/office/drawing/2014/main" id="{2108CAE1-1081-7550-B5F4-1BC71DE478D8}"/>
               </a:ext>
             </a:extLst>
           </p:cNvPr>
@@ -4886,8 +4886,8 @@
         </p:blipFill>
         <p:spPr>
           <a:xfrm>
-            <a:off x="1" y="38100"/>
-            <a:ext cx="12192000" cy="6737899"/>
+            <a:off x="0" y="1"/>
+            <a:ext cx="12191999" cy="6858000"/>
           </a:xfrm>
           <a:prstGeom prst="rect">
             <a:avLst/>
@@ -4926,10 +4926,10 @@
       </p:grpSpPr>
       <p:pic>
         <p:nvPicPr>
-          <p:cNvPr id="3" name="Picture 2" descr="A picture containing chart&#10;&#10;Description automatically generated">
-            <a:extLst>
-              <a:ext uri="{FF2B5EF4-FFF2-40B4-BE49-F238E27FC236}">
-                <a16:creationId xmlns:a16="http://schemas.microsoft.com/office/drawing/2014/main" id="{82D0931E-3103-9794-B78C-5DFAD55EF618}"/>
+          <p:cNvPr id="6" name="Picture 5" descr="A picture containing chart&#10;&#10;Description automatically generated">
+            <a:extLst>
+              <a:ext uri="{FF2B5EF4-FFF2-40B4-BE49-F238E27FC236}">
+                <a16:creationId xmlns:a16="http://schemas.microsoft.com/office/drawing/2014/main" id="{4341D7EF-4595-E222-FEE2-8D453A91F370}"/>
               </a:ext>
             </a:extLst>
           </p:cNvPr>
@@ -4952,8 +4952,8 @@
         </p:blipFill>
         <p:spPr>
           <a:xfrm>
-            <a:off x="1" y="0"/>
-            <a:ext cx="12192000" cy="6856327"/>
+            <a:off x="0" y="51318"/>
+            <a:ext cx="12192000" cy="6806682"/>
           </a:xfrm>
           <a:prstGeom prst="rect">
             <a:avLst/>
@@ -4992,10 +4992,10 @@
       </p:grpSpPr>
       <p:pic>
         <p:nvPicPr>
-          <p:cNvPr id="4" name="Picture 3" descr="Chart&#10;&#10;Description automatically generated">
-            <a:extLst>
-              <a:ext uri="{FF2B5EF4-FFF2-40B4-BE49-F238E27FC236}">
-                <a16:creationId xmlns:a16="http://schemas.microsoft.com/office/drawing/2014/main" id="{0FD2D328-6F69-6F05-31BC-E01B4C5C3E16}"/>
+          <p:cNvPr id="6" name="Picture 5" descr="Chart&#10;&#10;Description automatically generated">
+            <a:extLst>
+              <a:ext uri="{FF2B5EF4-FFF2-40B4-BE49-F238E27FC236}">
+                <a16:creationId xmlns:a16="http://schemas.microsoft.com/office/drawing/2014/main" id="{8D1F0519-FCCE-16CA-C59F-D788A55E7B61}"/>
               </a:ext>
             </a:extLst>
           </p:cNvPr>
@@ -5018,8 +5018,8 @@
         </p:blipFill>
         <p:spPr>
           <a:xfrm>
-            <a:off x="0" y="2233"/>
-            <a:ext cx="12192000" cy="6853533"/>
+            <a:off x="0" y="0"/>
+            <a:ext cx="12192000" cy="6858000"/>
           </a:xfrm>
           <a:prstGeom prst="rect">
             <a:avLst/>

--- a/TedTalk_EDA.pptx
+++ b/TedTalk_EDA.pptx
@@ -201,7 +201,7 @@
           <a:p>
             <a:fld id="{AAA51686-A1B3-409D-8607-0BC6FD94D01C}" type="datetimeFigureOut">
               <a:rPr lang="en-US" smtClean="0"/>
-              <a:t>10/17/2022</a:t>
+              <a:t>10/18/2022</a:t>
             </a:fld>
             <a:endParaRPr lang="en-US"/>
           </a:p>
@@ -719,7 +719,7 @@
           <a:p>
             <a:fld id="{6C4EB658-564A-484C-A504-1763E349D676}" type="datetimeFigureOut">
               <a:rPr lang="en-US" smtClean="0"/>
-              <a:t>10/17/2022</a:t>
+              <a:t>10/18/2022</a:t>
             </a:fld>
             <a:endParaRPr lang="en-US"/>
           </a:p>
@@ -917,7 +917,7 @@
           <a:p>
             <a:fld id="{6C4EB658-564A-484C-A504-1763E349D676}" type="datetimeFigureOut">
               <a:rPr lang="en-US" smtClean="0"/>
-              <a:t>10/17/2022</a:t>
+              <a:t>10/18/2022</a:t>
             </a:fld>
             <a:endParaRPr lang="en-US"/>
           </a:p>
@@ -1125,7 +1125,7 @@
           <a:p>
             <a:fld id="{6C4EB658-564A-484C-A504-1763E349D676}" type="datetimeFigureOut">
               <a:rPr lang="en-US" smtClean="0"/>
-              <a:t>10/17/2022</a:t>
+              <a:t>10/18/2022</a:t>
             </a:fld>
             <a:endParaRPr lang="en-US"/>
           </a:p>
@@ -2164,7 +2164,7 @@
           <a:p>
             <a:fld id="{6C4EB658-564A-484C-A504-1763E349D676}" type="datetimeFigureOut">
               <a:rPr lang="en-US" smtClean="0"/>
-              <a:t>10/17/2022</a:t>
+              <a:t>10/18/2022</a:t>
             </a:fld>
             <a:endParaRPr lang="en-US"/>
           </a:p>
@@ -2439,7 +2439,7 @@
           <a:p>
             <a:fld id="{6C4EB658-564A-484C-A504-1763E349D676}" type="datetimeFigureOut">
               <a:rPr lang="en-US" smtClean="0"/>
-              <a:t>10/17/2022</a:t>
+              <a:t>10/18/2022</a:t>
             </a:fld>
             <a:endParaRPr lang="en-US"/>
           </a:p>
@@ -2704,7 +2704,7 @@
           <a:p>
             <a:fld id="{6C4EB658-564A-484C-A504-1763E349D676}" type="datetimeFigureOut">
               <a:rPr lang="en-US" smtClean="0"/>
-              <a:t>10/17/2022</a:t>
+              <a:t>10/18/2022</a:t>
             </a:fld>
             <a:endParaRPr lang="en-US"/>
           </a:p>
@@ -3116,7 +3116,7 @@
           <a:p>
             <a:fld id="{6C4EB658-564A-484C-A504-1763E349D676}" type="datetimeFigureOut">
               <a:rPr lang="en-US" smtClean="0"/>
-              <a:t>10/17/2022</a:t>
+              <a:t>10/18/2022</a:t>
             </a:fld>
             <a:endParaRPr lang="en-US"/>
           </a:p>
@@ -3257,7 +3257,7 @@
           <a:p>
             <a:fld id="{6C4EB658-564A-484C-A504-1763E349D676}" type="datetimeFigureOut">
               <a:rPr lang="en-US" smtClean="0"/>
-              <a:t>10/17/2022</a:t>
+              <a:t>10/18/2022</a:t>
             </a:fld>
             <a:endParaRPr lang="en-US"/>
           </a:p>
@@ -3370,7 +3370,7 @@
           <a:p>
             <a:fld id="{6C4EB658-564A-484C-A504-1763E349D676}" type="datetimeFigureOut">
               <a:rPr lang="en-US" smtClean="0"/>
-              <a:t>10/17/2022</a:t>
+              <a:t>10/18/2022</a:t>
             </a:fld>
             <a:endParaRPr lang="en-US"/>
           </a:p>
@@ -3681,7 +3681,7 @@
           <a:p>
             <a:fld id="{6C4EB658-564A-484C-A504-1763E349D676}" type="datetimeFigureOut">
               <a:rPr lang="en-US" smtClean="0"/>
-              <a:t>10/17/2022</a:t>
+              <a:t>10/18/2022</a:t>
             </a:fld>
             <a:endParaRPr lang="en-US"/>
           </a:p>
@@ -3969,7 +3969,7 @@
           <a:p>
             <a:fld id="{6C4EB658-564A-484C-A504-1763E349D676}" type="datetimeFigureOut">
               <a:rPr lang="en-US" smtClean="0"/>
-              <a:t>10/17/2022</a:t>
+              <a:t>10/18/2022</a:t>
             </a:fld>
             <a:endParaRPr lang="en-US"/>
           </a:p>
@@ -4210,7 +4210,7 @@
           <a:p>
             <a:fld id="{6C4EB658-564A-484C-A504-1763E349D676}" type="datetimeFigureOut">
               <a:rPr lang="en-US" smtClean="0"/>
-              <a:t>10/17/2022</a:t>
+              <a:t>10/18/2022</a:t>
             </a:fld>
             <a:endParaRPr lang="en-US"/>
           </a:p>
@@ -4992,10 +4992,10 @@
       </p:grpSpPr>
       <p:pic>
         <p:nvPicPr>
-          <p:cNvPr id="6" name="Picture 5" descr="Chart&#10;&#10;Description automatically generated">
-            <a:extLst>
-              <a:ext uri="{FF2B5EF4-FFF2-40B4-BE49-F238E27FC236}">
-                <a16:creationId xmlns:a16="http://schemas.microsoft.com/office/drawing/2014/main" id="{8D1F0519-FCCE-16CA-C59F-D788A55E7B61}"/>
+          <p:cNvPr id="3" name="Picture 2" descr="Chart, line chart">
+            <a:extLst>
+              <a:ext uri="{FF2B5EF4-FFF2-40B4-BE49-F238E27FC236}">
+                <a16:creationId xmlns:a16="http://schemas.microsoft.com/office/drawing/2014/main" id="{5922B9FD-7D88-315C-B695-0E0CDB552186}"/>
               </a:ext>
             </a:extLst>
           </p:cNvPr>
@@ -5018,8 +5018,8 @@
         </p:blipFill>
         <p:spPr>
           <a:xfrm>
-            <a:off x="0" y="0"/>
-            <a:ext cx="12192000" cy="6858000"/>
+            <a:off x="-65988" y="1"/>
+            <a:ext cx="12363834" cy="6858000"/>
           </a:xfrm>
           <a:prstGeom prst="rect">
             <a:avLst/>
